--- a/sources/MAS4Optim/figs/NCS_sources.pptx
+++ b/sources/MAS4Optim/figs/NCS_sources.pptx
@@ -10,6 +10,7 @@
     <p:sldId id="258" r:id="rId4"/>
     <p:sldId id="260" r:id="rId5"/>
     <p:sldId id="259" r:id="rId6"/>
+    <p:sldId id="261" r:id="rId7"/>
   </p:sldIdLst>
   <p:sldSz cx="9144000" cy="6858000" type="screen4x3"/>
   <p:notesSz cx="6858000" cy="9144000"/>
@@ -292,7 +293,7 @@
           <a:p>
             <a:fld id="{72303F40-3491-4844-A7B2-D911396A992D}" type="datetimeFigureOut">
               <a:rPr lang="fr-FR" smtClean="0"/>
-              <a:t>31/05/2013</a:t>
+              <a:t>11/10/2013</a:t>
             </a:fld>
             <a:endParaRPr lang="fr-FR"/>
           </a:p>
@@ -462,7 +463,7 @@
           <a:p>
             <a:fld id="{72303F40-3491-4844-A7B2-D911396A992D}" type="datetimeFigureOut">
               <a:rPr lang="fr-FR" smtClean="0"/>
-              <a:t>31/05/2013</a:t>
+              <a:t>11/10/2013</a:t>
             </a:fld>
             <a:endParaRPr lang="fr-FR"/>
           </a:p>
@@ -642,7 +643,7 @@
           <a:p>
             <a:fld id="{72303F40-3491-4844-A7B2-D911396A992D}" type="datetimeFigureOut">
               <a:rPr lang="fr-FR" smtClean="0"/>
-              <a:t>31/05/2013</a:t>
+              <a:t>11/10/2013</a:t>
             </a:fld>
             <a:endParaRPr lang="fr-FR"/>
           </a:p>
@@ -812,7 +813,7 @@
           <a:p>
             <a:fld id="{72303F40-3491-4844-A7B2-D911396A992D}" type="datetimeFigureOut">
               <a:rPr lang="fr-FR" smtClean="0"/>
-              <a:t>31/05/2013</a:t>
+              <a:t>11/10/2013</a:t>
             </a:fld>
             <a:endParaRPr lang="fr-FR"/>
           </a:p>
@@ -1058,7 +1059,7 @@
           <a:p>
             <a:fld id="{72303F40-3491-4844-A7B2-D911396A992D}" type="datetimeFigureOut">
               <a:rPr lang="fr-FR" smtClean="0"/>
-              <a:t>31/05/2013</a:t>
+              <a:t>11/10/2013</a:t>
             </a:fld>
             <a:endParaRPr lang="fr-FR"/>
           </a:p>
@@ -1346,7 +1347,7 @@
           <a:p>
             <a:fld id="{72303F40-3491-4844-A7B2-D911396A992D}" type="datetimeFigureOut">
               <a:rPr lang="fr-FR" smtClean="0"/>
-              <a:t>31/05/2013</a:t>
+              <a:t>11/10/2013</a:t>
             </a:fld>
             <a:endParaRPr lang="fr-FR"/>
           </a:p>
@@ -1768,7 +1769,7 @@
           <a:p>
             <a:fld id="{72303F40-3491-4844-A7B2-D911396A992D}" type="datetimeFigureOut">
               <a:rPr lang="fr-FR" smtClean="0"/>
-              <a:t>31/05/2013</a:t>
+              <a:t>11/10/2013</a:t>
             </a:fld>
             <a:endParaRPr lang="fr-FR"/>
           </a:p>
@@ -1886,7 +1887,7 @@
           <a:p>
             <a:fld id="{72303F40-3491-4844-A7B2-D911396A992D}" type="datetimeFigureOut">
               <a:rPr lang="fr-FR" smtClean="0"/>
-              <a:t>31/05/2013</a:t>
+              <a:t>11/10/2013</a:t>
             </a:fld>
             <a:endParaRPr lang="fr-FR"/>
           </a:p>
@@ -1981,7 +1982,7 @@
           <a:p>
             <a:fld id="{72303F40-3491-4844-A7B2-D911396A992D}" type="datetimeFigureOut">
               <a:rPr lang="fr-FR" smtClean="0"/>
-              <a:t>31/05/2013</a:t>
+              <a:t>11/10/2013</a:t>
             </a:fld>
             <a:endParaRPr lang="fr-FR"/>
           </a:p>
@@ -2258,7 +2259,7 @@
           <a:p>
             <a:fld id="{72303F40-3491-4844-A7B2-D911396A992D}" type="datetimeFigureOut">
               <a:rPr lang="fr-FR" smtClean="0"/>
-              <a:t>31/05/2013</a:t>
+              <a:t>11/10/2013</a:t>
             </a:fld>
             <a:endParaRPr lang="fr-FR"/>
           </a:p>
@@ -2511,7 +2512,7 @@
           <a:p>
             <a:fld id="{72303F40-3491-4844-A7B2-D911396A992D}" type="datetimeFigureOut">
               <a:rPr lang="fr-FR" smtClean="0"/>
-              <a:t>31/05/2013</a:t>
+              <a:t>11/10/2013</a:t>
             </a:fld>
             <a:endParaRPr lang="fr-FR"/>
           </a:p>
@@ -2724,7 +2725,7 @@
           <a:p>
             <a:fld id="{72303F40-3491-4844-A7B2-D911396A992D}" type="datetimeFigureOut">
               <a:rPr lang="fr-FR" smtClean="0"/>
-              <a:t>31/05/2013</a:t>
+              <a:t>11/10/2013</a:t>
             </a:fld>
             <a:endParaRPr lang="fr-FR"/>
           </a:p>
@@ -4998,14 +4999,6 @@
               </a:rPr>
               <a:t>2</a:t>
             </a:r>
-            <a:endParaRPr lang="en" sz="3600" baseline="-25000" dirty="0">
-              <a:solidFill>
-                <a:schemeClr val="dk1"/>
-              </a:solidFill>
-              <a:ea typeface="Calibri"/>
-              <a:cs typeface="Calibri"/>
-              <a:sym typeface="Calibri"/>
-            </a:endParaRPr>
           </a:p>
         </p:txBody>
       </p:sp>
@@ -6176,6 +6169,636 @@
 </p:sld>
 </file>
 
+<file path=ppt/slides/slide6.xml><?xml version="1.0" encoding="utf-8"?>
+<p:sld xmlns:a="http://schemas.openxmlformats.org/drawingml/2006/main" xmlns:r="http://schemas.openxmlformats.org/officeDocument/2006/relationships" xmlns:p="http://schemas.openxmlformats.org/presentationml/2006/main">
+  <p:cSld>
+    <p:spTree>
+      <p:nvGrpSpPr>
+        <p:cNvPr id="1" name=""/>
+        <p:cNvGrpSpPr/>
+        <p:nvPr/>
+      </p:nvGrpSpPr>
+      <p:grpSpPr>
+        <a:xfrm>
+          <a:off x="0" y="0"/>
+          <a:ext cx="0" cy="0"/>
+          <a:chOff x="0" y="0"/>
+          <a:chExt cx="0" cy="0"/>
+        </a:xfrm>
+      </p:grpSpPr>
+      <p:grpSp>
+        <p:nvGrpSpPr>
+          <p:cNvPr id="19" name="Groupe 18"/>
+          <p:cNvGrpSpPr/>
+          <p:nvPr/>
+        </p:nvGrpSpPr>
+        <p:grpSpPr>
+          <a:xfrm>
+            <a:off x="1198988" y="311573"/>
+            <a:ext cx="6746025" cy="6234854"/>
+            <a:chOff x="1362698" y="87909"/>
+            <a:chExt cx="6746025" cy="6234854"/>
+          </a:xfrm>
+        </p:grpSpPr>
+        <p:cxnSp>
+          <p:nvCxnSpPr>
+            <p:cNvPr id="5" name="Shape 506"/>
+            <p:cNvCxnSpPr>
+              <a:stCxn id="11" idx="2"/>
+              <a:endCxn id="13" idx="0"/>
+            </p:cNvCxnSpPr>
+            <p:nvPr/>
+          </p:nvCxnSpPr>
+          <p:spPr>
+            <a:xfrm flipH="1">
+              <a:off x="2910400" y="2781751"/>
+              <a:ext cx="22" cy="908526"/>
+            </a:xfrm>
+            <a:prstGeom prst="straightConnector1">
+              <a:avLst/>
+            </a:prstGeom>
+            <a:noFill/>
+            <a:ln w="28575" cap="flat">
+              <a:solidFill>
+                <a:schemeClr val="dk1"/>
+              </a:solidFill>
+              <a:prstDash val="solid"/>
+              <a:round/>
+              <a:headEnd type="none" w="med" len="med"/>
+              <a:tailEnd type="stealth" w="lg" len="lg"/>
+            </a:ln>
+          </p:spPr>
+        </p:cxnSp>
+        <p:sp>
+          <p:nvSpPr>
+            <p:cNvPr id="15" name="Shape 508"/>
+            <p:cNvSpPr/>
+            <p:nvPr/>
+          </p:nvSpPr>
+          <p:spPr>
+            <a:xfrm>
+              <a:off x="4237256" y="87909"/>
+              <a:ext cx="1028598" cy="908808"/>
+            </a:xfrm>
+            <a:prstGeom prst="ellipse">
+              <a:avLst/>
+            </a:prstGeom>
+            <a:solidFill>
+              <a:srgbClr val="FFFFFF"/>
+            </a:solidFill>
+            <a:ln w="9525" cap="flat">
+              <a:solidFill>
+                <a:schemeClr val="dk1"/>
+              </a:solidFill>
+              <a:prstDash val="solid"/>
+              <a:round/>
+              <a:headEnd type="none" w="med" len="med"/>
+              <a:tailEnd type="none" w="med" len="med"/>
+            </a:ln>
+          </p:spPr>
+          <p:txBody>
+            <a:bodyPr lIns="91425" tIns="45700" rIns="91425" bIns="45700" anchor="ctr" anchorCtr="0">
+              <a:spAutoFit/>
+            </a:bodyPr>
+            <a:lstStyle/>
+            <a:p>
+              <a:endParaRPr sz="3600"/>
+            </a:p>
+          </p:txBody>
+        </p:sp>
+        <p:sp>
+          <p:nvSpPr>
+            <p:cNvPr id="16" name="Shape 509"/>
+            <p:cNvSpPr txBox="1"/>
+            <p:nvPr/>
+          </p:nvSpPr>
+          <p:spPr>
+            <a:xfrm>
+              <a:off x="4237257" y="214092"/>
+              <a:ext cx="1028598" cy="646291"/>
+            </a:xfrm>
+            <a:prstGeom prst="rect">
+              <a:avLst/>
+            </a:prstGeom>
+            <a:noFill/>
+            <a:ln>
+              <a:noFill/>
+            </a:ln>
+          </p:spPr>
+          <p:txBody>
+            <a:bodyPr lIns="91425" tIns="45700" rIns="91425" bIns="45700" anchor="ctr" anchorCtr="0">
+              <a:spAutoFit/>
+            </a:bodyPr>
+            <a:lstStyle/>
+            <a:p>
+              <a:pPr marL="0" marR="0" lvl="0" indent="0" algn="ctr" rtl="0">
+                <a:buSzPct val="25000"/>
+                <a:buNone/>
+              </a:pPr>
+              <a:r>
+                <a:rPr lang="en" sz="3600" b="0" i="0" u="none" strike="noStrike" cap="none" baseline="0" dirty="0" smtClean="0">
+                  <a:solidFill>
+                    <a:schemeClr val="dk1"/>
+                  </a:solidFill>
+                  <a:latin typeface="Calibri"/>
+                  <a:ea typeface="Calibri"/>
+                  <a:cs typeface="Calibri"/>
+                  <a:sym typeface="Calibri"/>
+                </a:rPr>
+                <a:t>a</a:t>
+              </a:r>
+              <a:endParaRPr lang="en" sz="3600" b="0" i="0" u="none" strike="noStrike" cap="none" baseline="-25000" dirty="0">
+                <a:solidFill>
+                  <a:schemeClr val="dk1"/>
+                </a:solidFill>
+                <a:latin typeface="Calibri"/>
+                <a:ea typeface="Calibri"/>
+                <a:cs typeface="Calibri"/>
+                <a:sym typeface="Calibri"/>
+              </a:endParaRPr>
+            </a:p>
+          </p:txBody>
+        </p:sp>
+        <p:grpSp>
+          <p:nvGrpSpPr>
+            <p:cNvPr id="7" name="Shape 510"/>
+            <p:cNvGrpSpPr/>
+            <p:nvPr/>
+          </p:nvGrpSpPr>
+          <p:grpSpPr>
+            <a:xfrm>
+              <a:off x="2396102" y="3690277"/>
+              <a:ext cx="1079892" cy="908808"/>
+              <a:chOff x="2112376" y="780921"/>
+              <a:chExt cx="453544" cy="414123"/>
+            </a:xfrm>
+            <a:noFill/>
+          </p:grpSpPr>
+          <p:sp>
+            <p:nvSpPr>
+              <p:cNvPr id="13" name="Shape 511"/>
+              <p:cNvSpPr/>
+              <p:nvPr/>
+            </p:nvSpPr>
+            <p:spPr>
+              <a:xfrm>
+                <a:off x="2112376" y="780921"/>
+                <a:ext cx="431999" cy="414123"/>
+              </a:xfrm>
+              <a:prstGeom prst="ellipse">
+                <a:avLst/>
+              </a:prstGeom>
+              <a:solidFill>
+                <a:srgbClr val="FFFFFF"/>
+              </a:solidFill>
+              <a:ln w="9525" cap="flat">
+                <a:solidFill>
+                  <a:schemeClr val="dk1"/>
+                </a:solidFill>
+                <a:prstDash val="solid"/>
+                <a:round/>
+                <a:headEnd type="none" w="med" len="med"/>
+                <a:tailEnd type="none" w="med" len="med"/>
+              </a:ln>
+            </p:spPr>
+            <p:txBody>
+              <a:bodyPr lIns="91425" tIns="45700" rIns="91425" bIns="45700" anchor="ctr" anchorCtr="0">
+                <a:spAutoFit/>
+              </a:bodyPr>
+              <a:lstStyle/>
+              <a:p>
+                <a:endParaRPr sz="3600"/>
+              </a:p>
+            </p:txBody>
+          </p:sp>
+          <p:sp>
+            <p:nvSpPr>
+              <p:cNvPr id="14" name="Shape 512"/>
+              <p:cNvSpPr txBox="1"/>
+              <p:nvPr/>
+            </p:nvSpPr>
+            <p:spPr>
+              <a:xfrm>
+                <a:off x="2133921" y="848890"/>
+                <a:ext cx="431999" cy="294500"/>
+              </a:xfrm>
+              <a:prstGeom prst="rect">
+                <a:avLst/>
+              </a:prstGeom>
+              <a:grpFill/>
+              <a:ln>
+                <a:noFill/>
+              </a:ln>
+            </p:spPr>
+            <p:txBody>
+              <a:bodyPr lIns="91425" tIns="45700" rIns="91425" bIns="45700" anchor="ctr" anchorCtr="0">
+                <a:spAutoFit/>
+              </a:bodyPr>
+              <a:lstStyle/>
+              <a:p>
+                <a:pPr marL="0" marR="0" lvl="0" indent="0" algn="ctr" rtl="0">
+                  <a:buSzPct val="25000"/>
+                  <a:buNone/>
+                </a:pPr>
+                <a:r>
+                  <a:rPr lang="en" sz="3600" dirty="0" smtClean="0">
+                    <a:solidFill>
+                      <a:schemeClr val="dk1"/>
+                    </a:solidFill>
+                    <a:latin typeface="Calibri"/>
+                    <a:ea typeface="Calibri"/>
+                    <a:cs typeface="Calibri"/>
+                    <a:sym typeface="Calibri"/>
+                  </a:rPr>
+                  <a:t>b</a:t>
+                </a:r>
+                <a:r>
+                  <a:rPr lang="en" sz="3600" baseline="-25000" dirty="0">
+                    <a:solidFill>
+                      <a:schemeClr val="dk1"/>
+                    </a:solidFill>
+                    <a:latin typeface="Calibri"/>
+                    <a:ea typeface="Calibri"/>
+                    <a:cs typeface="Calibri"/>
+                    <a:sym typeface="Calibri"/>
+                  </a:rPr>
+                  <a:t>1</a:t>
+                </a:r>
+                <a:endParaRPr lang="en" sz="3600" b="0" i="0" u="none" strike="noStrike" cap="none" baseline="-25000" dirty="0">
+                  <a:solidFill>
+                    <a:schemeClr val="dk1"/>
+                  </a:solidFill>
+                  <a:latin typeface="Calibri"/>
+                  <a:ea typeface="Calibri"/>
+                  <a:cs typeface="Calibri"/>
+                  <a:sym typeface="Calibri"/>
+                </a:endParaRPr>
+              </a:p>
+            </p:txBody>
+          </p:sp>
+        </p:grpSp>
+        <p:cxnSp>
+          <p:nvCxnSpPr>
+            <p:cNvPr id="8" name="Shape 513"/>
+            <p:cNvCxnSpPr>
+              <a:stCxn id="15" idx="4"/>
+              <a:endCxn id="11" idx="0"/>
+            </p:cNvCxnSpPr>
+            <p:nvPr/>
+          </p:nvCxnSpPr>
+          <p:spPr>
+            <a:xfrm flipH="1">
+              <a:off x="2910420" y="996717"/>
+              <a:ext cx="1841136" cy="742662"/>
+            </a:xfrm>
+            <a:prstGeom prst="straightConnector1">
+              <a:avLst/>
+            </a:prstGeom>
+            <a:noFill/>
+            <a:ln w="28575" cap="flat">
+              <a:solidFill>
+                <a:schemeClr val="dk1"/>
+              </a:solidFill>
+              <a:prstDash val="solid"/>
+              <a:round/>
+              <a:headEnd type="none" w="med" len="med"/>
+              <a:tailEnd type="stealth" w="lg" len="lg"/>
+            </a:ln>
+          </p:spPr>
+        </p:cxnSp>
+        <p:cxnSp>
+          <p:nvCxnSpPr>
+            <p:cNvPr id="10" name="Shape 516"/>
+            <p:cNvCxnSpPr>
+              <a:stCxn id="13" idx="4"/>
+              <a:endCxn id="12" idx="0"/>
+            </p:cNvCxnSpPr>
+            <p:nvPr/>
+          </p:nvCxnSpPr>
+          <p:spPr>
+            <a:xfrm flipH="1">
+              <a:off x="2910398" y="4599085"/>
+              <a:ext cx="1" cy="1077388"/>
+            </a:xfrm>
+            <a:prstGeom prst="straightConnector1">
+              <a:avLst/>
+            </a:prstGeom>
+            <a:noFill/>
+            <a:ln w="28575" cap="flat">
+              <a:solidFill>
+                <a:schemeClr val="dk1"/>
+              </a:solidFill>
+              <a:prstDash val="solid"/>
+              <a:round/>
+              <a:headEnd type="none" w="med" len="med"/>
+              <a:tailEnd type="stealth" w="lg" len="lg"/>
+            </a:ln>
+          </p:spPr>
+        </p:cxnSp>
+        <p:sp>
+          <p:nvSpPr>
+            <p:cNvPr id="11" name="Rectangle à coins arrondis 10"/>
+            <p:cNvSpPr/>
+            <p:nvPr/>
+          </p:nvSpPr>
+          <p:spPr>
+            <a:xfrm>
+              <a:off x="1619672" y="1739379"/>
+              <a:ext cx="2581496" cy="1042372"/>
+            </a:xfrm>
+            <a:prstGeom prst="roundRect">
+              <a:avLst/>
+            </a:prstGeom>
+            <a:solidFill>
+              <a:srgbClr val="FFFFFF"/>
+            </a:solidFill>
+            <a:ln w="9525"/>
+          </p:spPr>
+          <p:style>
+            <a:lnRef idx="2">
+              <a:schemeClr val="dk1"/>
+            </a:lnRef>
+            <a:fillRef idx="1">
+              <a:schemeClr val="lt1"/>
+            </a:fillRef>
+            <a:effectRef idx="0">
+              <a:schemeClr val="dk1"/>
+            </a:effectRef>
+            <a:fontRef idx="minor">
+              <a:schemeClr val="dk1"/>
+            </a:fontRef>
+          </p:style>
+          <p:txBody>
+            <a:bodyPr rtlCol="0" anchor="ctr"/>
+            <a:lstStyle/>
+            <a:p>
+              <a:pPr algn="ctr">
+                <a:buSzPct val="25000"/>
+              </a:pPr>
+              <a:r>
+                <a:rPr lang="en" sz="3600" dirty="0" smtClean="0">
+                  <a:latin typeface="Calibri"/>
+                  <a:ea typeface="Calibri"/>
+                  <a:cs typeface="Calibri"/>
+                  <a:sym typeface="Calibri"/>
+                </a:rPr>
+                <a:t>b</a:t>
+              </a:r>
+              <a:r>
+                <a:rPr lang="en" sz="3600" baseline="-25000" dirty="0" smtClean="0">
+                  <a:latin typeface="Calibri"/>
+                  <a:ea typeface="Calibri"/>
+                  <a:cs typeface="Calibri"/>
+                  <a:sym typeface="Calibri"/>
+                </a:rPr>
+                <a:t>1</a:t>
+              </a:r>
+              <a:r>
+                <a:rPr lang="en" sz="3600" dirty="0" smtClean="0">
+                  <a:latin typeface="Calibri"/>
+                  <a:ea typeface="Calibri"/>
+                  <a:cs typeface="Calibri"/>
+                  <a:sym typeface="Calibri"/>
+                </a:rPr>
+                <a:t> </a:t>
+              </a:r>
+              <a:r>
+                <a:rPr lang="en" sz="3600" dirty="0">
+                  <a:latin typeface="Calibri"/>
+                  <a:ea typeface="Calibri"/>
+                  <a:cs typeface="Calibri"/>
+                  <a:sym typeface="Calibri"/>
+                </a:rPr>
+                <a:t>= </a:t>
+              </a:r>
+              <a:r>
+                <a:rPr lang="en" sz="3600" dirty="0" smtClean="0">
+                  <a:latin typeface="Calibri"/>
+                  <a:ea typeface="Calibri"/>
+                  <a:cs typeface="Calibri"/>
+                  <a:sym typeface="Calibri"/>
+                </a:rPr>
+                <a:t>f(a)</a:t>
+              </a:r>
+              <a:endParaRPr lang="en" sz="3600" baseline="-25000" dirty="0">
+                <a:solidFill>
+                  <a:srgbClr val="000000"/>
+                </a:solidFill>
+                <a:latin typeface="Calibri"/>
+                <a:ea typeface="Calibri"/>
+                <a:cs typeface="Calibri"/>
+                <a:sym typeface="Calibri"/>
+              </a:endParaRPr>
+            </a:p>
+          </p:txBody>
+        </p:sp>
+        <p:sp>
+          <p:nvSpPr>
+            <p:cNvPr id="12" name="Shape 481"/>
+            <p:cNvSpPr/>
+            <p:nvPr/>
+          </p:nvSpPr>
+          <p:spPr>
+            <a:xfrm>
+              <a:off x="1362698" y="5676473"/>
+              <a:ext cx="3095400" cy="646290"/>
+            </a:xfrm>
+            <a:prstGeom prst="rect">
+              <a:avLst/>
+            </a:prstGeom>
+            <a:solidFill>
+              <a:srgbClr val="FFFFFF"/>
+            </a:solidFill>
+            <a:ln w="9525" cap="flat">
+              <a:solidFill>
+                <a:schemeClr val="dk1"/>
+              </a:solidFill>
+              <a:prstDash val="solid"/>
+              <a:round/>
+              <a:headEnd type="none" w="med" len="med"/>
+              <a:tailEnd type="none" w="med" len="med"/>
+            </a:ln>
+          </p:spPr>
+          <p:txBody>
+            <a:bodyPr lIns="91425" tIns="45700" rIns="91425" bIns="45700" anchor="ctr" anchorCtr="0">
+              <a:spAutoFit/>
+            </a:bodyPr>
+            <a:lstStyle/>
+            <a:p>
+              <a:pPr lvl="0" algn="ctr">
+                <a:buSzPct val="25000"/>
+              </a:pPr>
+              <a:r>
+                <a:rPr lang="en" sz="3600" dirty="0">
+                  <a:solidFill>
+                    <a:schemeClr val="dk1"/>
+                  </a:solidFill>
+                  <a:ea typeface="Calibri"/>
+                  <a:cs typeface="Calibri"/>
+                  <a:sym typeface="Calibri"/>
+                </a:rPr>
+                <a:t>min </a:t>
+              </a:r>
+              <a:r>
+                <a:rPr lang="en" sz="3600" dirty="0" smtClean="0">
+                  <a:solidFill>
+                    <a:schemeClr val="dk1"/>
+                  </a:solidFill>
+                  <a:ea typeface="Calibri"/>
+                  <a:cs typeface="Calibri"/>
+                  <a:sym typeface="Calibri"/>
+                </a:rPr>
+                <a:t>b</a:t>
+              </a:r>
+              <a:r>
+                <a:rPr lang="en" sz="3600" baseline="-25000" dirty="0" smtClean="0">
+                  <a:solidFill>
+                    <a:schemeClr val="dk1"/>
+                  </a:solidFill>
+                  <a:ea typeface="Calibri"/>
+                  <a:cs typeface="Calibri"/>
+                  <a:sym typeface="Calibri"/>
+                </a:rPr>
+                <a:t>1</a:t>
+              </a:r>
+              <a:endParaRPr lang="en" sz="3600" baseline="-25000" dirty="0">
+                <a:solidFill>
+                  <a:schemeClr val="dk1"/>
+                </a:solidFill>
+                <a:ea typeface="Calibri"/>
+                <a:cs typeface="Calibri"/>
+                <a:sym typeface="Calibri"/>
+              </a:endParaRPr>
+            </a:p>
+          </p:txBody>
+        </p:sp>
+        <p:sp>
+          <p:nvSpPr>
+            <p:cNvPr id="17" name="Shape 481"/>
+            <p:cNvSpPr/>
+            <p:nvPr/>
+          </p:nvSpPr>
+          <p:spPr>
+            <a:xfrm>
+              <a:off x="5013323" y="1745067"/>
+              <a:ext cx="3095400" cy="646290"/>
+            </a:xfrm>
+            <a:prstGeom prst="rect">
+              <a:avLst/>
+            </a:prstGeom>
+            <a:solidFill>
+              <a:srgbClr val="FFFFFF"/>
+            </a:solidFill>
+            <a:ln w="9525" cap="flat">
+              <a:solidFill>
+                <a:schemeClr val="dk1"/>
+              </a:solidFill>
+              <a:prstDash val="solid"/>
+              <a:round/>
+              <a:headEnd type="none" w="med" len="med"/>
+              <a:tailEnd type="none" w="med" len="med"/>
+            </a:ln>
+          </p:spPr>
+          <p:txBody>
+            <a:bodyPr lIns="91425" tIns="45700" rIns="91425" bIns="45700" anchor="ctr" anchorCtr="0">
+              <a:spAutoFit/>
+            </a:bodyPr>
+            <a:lstStyle/>
+            <a:p>
+              <a:pPr lvl="0" algn="ctr">
+                <a:buSzPct val="25000"/>
+              </a:pPr>
+              <a:r>
+                <a:rPr lang="en" sz="3600" dirty="0">
+                  <a:solidFill>
+                    <a:schemeClr val="dk1"/>
+                  </a:solidFill>
+                  <a:ea typeface="Calibri"/>
+                  <a:cs typeface="Calibri"/>
+                  <a:sym typeface="Calibri"/>
+                </a:rPr>
+                <a:t>min </a:t>
+              </a:r>
+              <a:r>
+                <a:rPr lang="en" sz="3600" dirty="0" smtClean="0">
+                  <a:solidFill>
+                    <a:schemeClr val="dk1"/>
+                  </a:solidFill>
+                  <a:ea typeface="Calibri"/>
+                  <a:cs typeface="Calibri"/>
+                  <a:sym typeface="Calibri"/>
+                </a:rPr>
+                <a:t>b</a:t>
+              </a:r>
+              <a:r>
+                <a:rPr lang="en" sz="3600" baseline="-25000" dirty="0" smtClean="0">
+                  <a:solidFill>
+                    <a:schemeClr val="dk1"/>
+                  </a:solidFill>
+                  <a:ea typeface="Calibri"/>
+                  <a:cs typeface="Calibri"/>
+                  <a:sym typeface="Calibri"/>
+                </a:rPr>
+                <a:t>2</a:t>
+              </a:r>
+              <a:endParaRPr lang="en" sz="3600" baseline="-25000" dirty="0">
+                <a:solidFill>
+                  <a:schemeClr val="dk1"/>
+                </a:solidFill>
+                <a:ea typeface="Calibri"/>
+                <a:cs typeface="Calibri"/>
+                <a:sym typeface="Calibri"/>
+              </a:endParaRPr>
+            </a:p>
+          </p:txBody>
+        </p:sp>
+        <p:cxnSp>
+          <p:nvCxnSpPr>
+            <p:cNvPr id="18" name="Shape 513"/>
+            <p:cNvCxnSpPr/>
+            <p:nvPr/>
+          </p:nvCxnSpPr>
+          <p:spPr>
+            <a:xfrm>
+              <a:off x="4751555" y="1000803"/>
+              <a:ext cx="1841136" cy="742662"/>
+            </a:xfrm>
+            <a:prstGeom prst="straightConnector1">
+              <a:avLst/>
+            </a:prstGeom>
+            <a:noFill/>
+            <a:ln w="28575" cap="flat">
+              <a:solidFill>
+                <a:schemeClr val="dk1"/>
+              </a:solidFill>
+              <a:prstDash val="solid"/>
+              <a:round/>
+              <a:headEnd type="none" w="med" len="med"/>
+              <a:tailEnd type="stealth" w="lg" len="lg"/>
+            </a:ln>
+          </p:spPr>
+        </p:cxnSp>
+      </p:grpSp>
+    </p:spTree>
+    <p:extLst>
+      <p:ext uri="{BB962C8B-B14F-4D97-AF65-F5344CB8AC3E}">
+        <p14:creationId xmlns:p14="http://schemas.microsoft.com/office/powerpoint/2010/main" val="3030656969"/>
+      </p:ext>
+    </p:extLst>
+  </p:cSld>
+  <p:clrMapOvr>
+    <a:masterClrMapping/>
+  </p:clrMapOvr>
+  <p:timing>
+    <p:tnLst>
+      <p:par>
+        <p:cTn id="1" dur="indefinite" restart="never" nodeType="tmRoot"/>
+      </p:par>
+    </p:tnLst>
+  </p:timing>
+</p:sld>
+</file>
+
 <file path=ppt/theme/theme1.xml><?xml version="1.0" encoding="utf-8"?>
 <a:theme xmlns:a="http://schemas.openxmlformats.org/drawingml/2006/main" name="Thème Office">
   <a:themeElements>
